--- a/2/2.Программирование_на_Python.pptx
+++ b/2/2.Программирование_на_Python.pptx
@@ -279,7 +279,7 @@
               <a:pPr>
                 <a:defRPr/>
               </a:pPr>
-              <a:t>17.09.2025</a:t>
+              <a:t>26.09.2025</a:t>
             </a:fld>
             <a:endParaRPr lang="ru-RU"/>
           </a:p>
@@ -498,7 +498,7 @@
               <a:pPr>
                 <a:defRPr/>
               </a:pPr>
-              <a:t>17.09.2025</a:t>
+              <a:t>26.09.2025</a:t>
             </a:fld>
             <a:endParaRPr lang="ru-RU"/>
           </a:p>
@@ -19768,7 +19768,6 @@
               <a:rPr lang="ru-RU" sz="4800" dirty="0"/>
               <a:t>Ввод и вывод, имена объектов </a:t>
             </a:r>
-            <a:endParaRPr lang="ru-RU" sz="4800" dirty="0"/>
           </a:p>
         </p:txBody>
       </p:sp>
@@ -19900,288 +19899,457 @@
           </a:p>
         </p:txBody>
       </p:sp>
-      <p:sp>
-        <p:nvSpPr>
-          <p:cNvPr id="4" name="Rectangle 6"/>
-          <p:cNvSpPr>
-            <a:spLocks noChangeArrowheads="1"/>
-          </p:cNvSpPr>
-          <p:nvPr/>
-        </p:nvSpPr>
-        <p:spPr bwMode="auto">
-          <a:xfrm>
-            <a:off x="615776" y="1414535"/>
-            <a:ext cx="11290387" cy="907941"/>
-          </a:xfrm>
-          <a:prstGeom prst="rect">
-            <a:avLst/>
-          </a:prstGeom>
-          <a:solidFill>
-            <a:srgbClr val="FFFFFF"/>
-          </a:solidFill>
-          <a:ln>
-            <a:noFill/>
-          </a:ln>
-          <a:effectLst/>
-          <a:extLst>
-            <a:ext uri="{91240B29-F687-4F45-9708-019B960494DF}">
-              <a14:hiddenLine xmlns:a14="http://schemas.microsoft.com/office/drawing/2010/main" w="9525">
-                <a:solidFill>
-                  <a:schemeClr val="tx1"/>
-                </a:solidFill>
-                <a:miter lim="800000"/>
-                <a:headEnd/>
-                <a:tailEnd/>
-              </a14:hiddenLine>
-            </a:ext>
-            <a:ext uri="{AF507438-7753-43E0-B8FC-AC1667EBCBE1}">
-              <a14:hiddenEffects xmlns:a14="http://schemas.microsoft.com/office/drawing/2010/main">
-                <a:effectLst>
-                  <a:outerShdw dist="35921" dir="2700000" algn="ctr" rotWithShape="0">
-                    <a:schemeClr val="bg2"/>
-                  </a:outerShdw>
-                </a:effectLst>
-              </a14:hiddenEffects>
-            </a:ext>
-          </a:extLst>
-        </p:spPr>
-        <p:txBody>
-          <a:bodyPr vert="horz" wrap="square" lIns="91440" tIns="0" rIns="91440" bIns="45720" numCol="1" anchor="ctr" anchorCtr="0" compatLnSpc="1">
-            <a:prstTxWarp prst="textNoShape">
-              <a:avLst/>
-            </a:prstTxWarp>
-            <a:spAutoFit/>
-          </a:bodyPr>
-          <a:lstStyle>
-            <a:lvl1pPr eaLnBrk="0" fontAlgn="base" hangingPunct="0">
-              <a:spcBef>
-                <a:spcPct val="0"/>
-              </a:spcBef>
-              <a:spcAft>
-                <a:spcPct val="0"/>
-              </a:spcAft>
-              <a:defRPr>
-                <a:solidFill>
-                  <a:schemeClr val="tx1"/>
-                </a:solidFill>
-                <a:latin typeface="Arial" panose="020B0604020202020204" pitchFamily="34" charset="0"/>
-              </a:defRPr>
-            </a:lvl1pPr>
-            <a:lvl2pPr marL="457200" eaLnBrk="0" fontAlgn="base" hangingPunct="0">
-              <a:spcBef>
-                <a:spcPct val="0"/>
-              </a:spcBef>
-              <a:spcAft>
-                <a:spcPct val="0"/>
-              </a:spcAft>
-              <a:defRPr>
-                <a:solidFill>
-                  <a:schemeClr val="tx1"/>
-                </a:solidFill>
-                <a:latin typeface="Arial" panose="020B0604020202020204" pitchFamily="34" charset="0"/>
-              </a:defRPr>
-            </a:lvl2pPr>
-            <a:lvl3pPr marL="914400" eaLnBrk="0" fontAlgn="base" hangingPunct="0">
-              <a:spcBef>
-                <a:spcPct val="0"/>
-              </a:spcBef>
-              <a:spcAft>
-                <a:spcPct val="0"/>
-              </a:spcAft>
-              <a:defRPr>
-                <a:solidFill>
-                  <a:schemeClr val="tx1"/>
-                </a:solidFill>
-                <a:latin typeface="Arial" panose="020B0604020202020204" pitchFamily="34" charset="0"/>
-              </a:defRPr>
-            </a:lvl3pPr>
-            <a:lvl4pPr marL="1371600" eaLnBrk="0" fontAlgn="base" hangingPunct="0">
-              <a:spcBef>
-                <a:spcPct val="0"/>
-              </a:spcBef>
-              <a:spcAft>
-                <a:spcPct val="0"/>
-              </a:spcAft>
-              <a:defRPr>
-                <a:solidFill>
-                  <a:schemeClr val="tx1"/>
-                </a:solidFill>
-                <a:latin typeface="Arial" panose="020B0604020202020204" pitchFamily="34" charset="0"/>
-              </a:defRPr>
-            </a:lvl4pPr>
-            <a:lvl5pPr marL="1828800" eaLnBrk="0" fontAlgn="base" hangingPunct="0">
-              <a:spcBef>
-                <a:spcPct val="0"/>
-              </a:spcBef>
-              <a:spcAft>
-                <a:spcPct val="0"/>
-              </a:spcAft>
-              <a:defRPr>
-                <a:solidFill>
-                  <a:schemeClr val="tx1"/>
-                </a:solidFill>
-                <a:latin typeface="Arial" panose="020B0604020202020204" pitchFamily="34" charset="0"/>
-              </a:defRPr>
-            </a:lvl5pPr>
-            <a:lvl6pPr marL="2286000" eaLnBrk="0" fontAlgn="base" hangingPunct="0">
-              <a:spcBef>
-                <a:spcPct val="0"/>
-              </a:spcBef>
-              <a:spcAft>
-                <a:spcPct val="0"/>
-              </a:spcAft>
-              <a:defRPr>
-                <a:solidFill>
-                  <a:schemeClr val="tx1"/>
-                </a:solidFill>
-                <a:latin typeface="Arial" panose="020B0604020202020204" pitchFamily="34" charset="0"/>
-              </a:defRPr>
-            </a:lvl6pPr>
-            <a:lvl7pPr marL="2743200" eaLnBrk="0" fontAlgn="base" hangingPunct="0">
-              <a:spcBef>
-                <a:spcPct val="0"/>
-              </a:spcBef>
-              <a:spcAft>
-                <a:spcPct val="0"/>
-              </a:spcAft>
-              <a:defRPr>
-                <a:solidFill>
-                  <a:schemeClr val="tx1"/>
-                </a:solidFill>
-                <a:latin typeface="Arial" panose="020B0604020202020204" pitchFamily="34" charset="0"/>
-              </a:defRPr>
-            </a:lvl7pPr>
-            <a:lvl8pPr marL="3200400" eaLnBrk="0" fontAlgn="base" hangingPunct="0">
-              <a:spcBef>
-                <a:spcPct val="0"/>
-              </a:spcBef>
-              <a:spcAft>
-                <a:spcPct val="0"/>
-              </a:spcAft>
-              <a:defRPr>
-                <a:solidFill>
-                  <a:schemeClr val="tx1"/>
-                </a:solidFill>
-                <a:latin typeface="Arial" panose="020B0604020202020204" pitchFamily="34" charset="0"/>
-              </a:defRPr>
-            </a:lvl8pPr>
-            <a:lvl9pPr marL="3657600" eaLnBrk="0" fontAlgn="base" hangingPunct="0">
-              <a:spcBef>
-                <a:spcPct val="0"/>
-              </a:spcBef>
-              <a:spcAft>
-                <a:spcPct val="0"/>
-              </a:spcAft>
-              <a:defRPr>
-                <a:solidFill>
-                  <a:schemeClr val="tx1"/>
-                </a:solidFill>
-                <a:latin typeface="Arial" panose="020B0604020202020204" pitchFamily="34" charset="0"/>
-              </a:defRPr>
-            </a:lvl9pPr>
-          </a:lstStyle>
-          <a:p>
-            <a:pPr marL="0" marR="0" lvl="0" indent="0" algn="l" defTabSz="914400" rtl="0" eaLnBrk="0" fontAlgn="base" latinLnBrk="0" hangingPunct="0">
-              <a:lnSpc>
-                <a:spcPct val="100000"/>
-              </a:lnSpc>
-              <a:spcBef>
-                <a:spcPct val="0"/>
-              </a:spcBef>
-              <a:spcAft>
-                <a:spcPct val="0"/>
-              </a:spcAft>
-              <a:buClrTx/>
-              <a:buSzTx/>
-              <a:buFontTx/>
-              <a:buNone/>
-              <a:tabLst/>
-            </a:pPr>
-            <a:r>
-              <a:rPr kumimoji="0" lang="ru-RU" altLang="ru-RU" sz="2000" b="0" i="0" u="none" strike="noStrike" cap="none" normalizeH="0" baseline="0" dirty="0" smtClean="0">
-                <a:ln>
-                  <a:noFill/>
-                </a:ln>
-                <a:solidFill>
-                  <a:srgbClr val="0077C2"/>
-                </a:solidFill>
-                <a:effectLst/>
-                <a:latin typeface="Segoe UI" panose="020B0502040204020203" pitchFamily="34" charset="0"/>
-                <a:cs typeface="Segoe UI" panose="020B0502040204020203" pitchFamily="34" charset="0"/>
-              </a:rPr>
-              <a:t>Задача 1</a:t>
-            </a:r>
-            <a:endParaRPr kumimoji="0" lang="ru-RU" altLang="ru-RU" sz="1000" b="0" i="0" u="none" strike="noStrike" cap="none" normalizeH="0" baseline="0" dirty="0" smtClean="0">
+      <mc:AlternateContent xmlns:mc="http://schemas.openxmlformats.org/markup-compatibility/2006">
+        <mc:Choice xmlns:a14="http://schemas.microsoft.com/office/drawing/2010/main" Requires="a14">
+          <p:sp>
+            <p:nvSpPr>
+              <p:cNvPr id="4" name="Rectangle 6"/>
+              <p:cNvSpPr>
+                <a:spLocks noChangeArrowheads="1"/>
+              </p:cNvSpPr>
+              <p:nvPr/>
+            </p:nvSpPr>
+            <p:spPr bwMode="auto">
+              <a:xfrm>
+                <a:off x="638088" y="2447164"/>
+                <a:ext cx="11290387" cy="784830"/>
+              </a:xfrm>
+              <a:prstGeom prst="rect">
+                <a:avLst/>
+              </a:prstGeom>
+              <a:solidFill>
+                <a:srgbClr val="FFFFFF"/>
+              </a:solidFill>
               <a:ln>
                 <a:noFill/>
               </a:ln>
-              <a:solidFill>
-                <a:srgbClr val="0077C2"/>
-              </a:solidFill>
               <a:effectLst/>
-              <a:latin typeface="Segoe UI" panose="020B0502040204020203" pitchFamily="34" charset="0"/>
-              <a:cs typeface="Segoe UI" panose="020B0502040204020203" pitchFamily="34" charset="0"/>
-            </a:endParaRPr>
-          </a:p>
-          <a:p>
-            <a:pPr marL="0" marR="0" lvl="0" indent="0" algn="l" defTabSz="914400" rtl="0" eaLnBrk="0" fontAlgn="base" latinLnBrk="0" hangingPunct="0">
-              <a:lnSpc>
-                <a:spcPct val="100000"/>
-              </a:lnSpc>
-              <a:spcBef>
-                <a:spcPct val="0"/>
-              </a:spcBef>
-              <a:spcAft>
-                <a:spcPct val="0"/>
-              </a:spcAft>
-              <a:buClrTx/>
-              <a:buSzTx/>
-              <a:buFontTx/>
-              <a:buNone/>
-              <a:tabLst/>
-            </a:pPr>
-            <a:r>
-              <a:rPr kumimoji="0" lang="ru-RU" altLang="ru-RU" b="0" i="0" u="none" strike="noStrike" cap="none" normalizeH="0" baseline="0" dirty="0" smtClean="0">
-                <a:ln>
-                  <a:noFill/>
-                </a:ln>
-                <a:solidFill>
-                  <a:srgbClr val="0077C2"/>
-                </a:solidFill>
-                <a:effectLst/>
-                <a:latin typeface="Segoe UI" panose="020B0502040204020203" pitchFamily="34" charset="0"/>
-                <a:cs typeface="Segoe UI" panose="020B0502040204020203" pitchFamily="34" charset="0"/>
-              </a:rPr>
-              <a:t>Напишите программу, которая считывает три числа и выводит их сумму. Каждое число записано в отдельной строке.</a:t>
-            </a:r>
-            <a:r>
-              <a:rPr kumimoji="0" lang="ru-RU" altLang="ru-RU" sz="1000" b="0" i="0" u="none" strike="noStrike" cap="none" normalizeH="0" baseline="0" dirty="0" smtClean="0">
-                <a:ln>
-                  <a:noFill/>
-                </a:ln>
-                <a:solidFill>
-                  <a:srgbClr val="0077C2"/>
-                </a:solidFill>
-                <a:effectLst/>
-                <a:latin typeface="Segoe UI" panose="020B0502040204020203" pitchFamily="34" charset="0"/>
-                <a:cs typeface="Segoe UI" panose="020B0502040204020203" pitchFamily="34" charset="0"/>
-              </a:rPr>
-              <a:t> </a:t>
-            </a:r>
-            <a:endParaRPr kumimoji="0" lang="ru-RU" altLang="ru-RU" sz="2800" b="0" i="0" u="none" strike="noStrike" cap="none" normalizeH="0" baseline="0" dirty="0" smtClean="0">
+              <a:extLst>
+                <a:ext uri="{91240B29-F687-4F45-9708-019B960494DF}">
+                  <a14:hiddenLine w="9525">
+                    <a:solidFill>
+                      <a:schemeClr val="tx1"/>
+                    </a:solidFill>
+                    <a:miter lim="800000"/>
+                    <a:headEnd/>
+                    <a:tailEnd/>
+                  </a14:hiddenLine>
+                </a:ext>
+                <a:ext uri="{AF507438-7753-43E0-B8FC-AC1667EBCBE1}">
+                  <a14:hiddenEffects>
+                    <a:effectLst>
+                      <a:outerShdw dist="35921" dir="2700000" algn="ctr" rotWithShape="0">
+                        <a:schemeClr val="bg2"/>
+                      </a:outerShdw>
+                    </a:effectLst>
+                  </a14:hiddenEffects>
+                </a:ext>
+              </a:extLst>
+            </p:spPr>
+            <p:txBody>
+              <a:bodyPr vert="horz" wrap="square" lIns="91440" tIns="0" rIns="91440" bIns="45720" numCol="1" anchor="ctr" anchorCtr="0" compatLnSpc="1">
+                <a:prstTxWarp prst="textNoShape">
+                  <a:avLst/>
+                </a:prstTxWarp>
+                <a:spAutoFit/>
+              </a:bodyPr>
+              <a:lstStyle>
+                <a:lvl1pPr eaLnBrk="0" fontAlgn="base" hangingPunct="0">
+                  <a:spcBef>
+                    <a:spcPct val="0"/>
+                  </a:spcBef>
+                  <a:spcAft>
+                    <a:spcPct val="0"/>
+                  </a:spcAft>
+                  <a:defRPr>
+                    <a:solidFill>
+                      <a:schemeClr val="tx1"/>
+                    </a:solidFill>
+                    <a:latin typeface="Arial" panose="020B0604020202020204" pitchFamily="34" charset="0"/>
+                  </a:defRPr>
+                </a:lvl1pPr>
+                <a:lvl2pPr marL="457200" eaLnBrk="0" fontAlgn="base" hangingPunct="0">
+                  <a:spcBef>
+                    <a:spcPct val="0"/>
+                  </a:spcBef>
+                  <a:spcAft>
+                    <a:spcPct val="0"/>
+                  </a:spcAft>
+                  <a:defRPr>
+                    <a:solidFill>
+                      <a:schemeClr val="tx1"/>
+                    </a:solidFill>
+                    <a:latin typeface="Arial" panose="020B0604020202020204" pitchFamily="34" charset="0"/>
+                  </a:defRPr>
+                </a:lvl2pPr>
+                <a:lvl3pPr marL="914400" eaLnBrk="0" fontAlgn="base" hangingPunct="0">
+                  <a:spcBef>
+                    <a:spcPct val="0"/>
+                  </a:spcBef>
+                  <a:spcAft>
+                    <a:spcPct val="0"/>
+                  </a:spcAft>
+                  <a:defRPr>
+                    <a:solidFill>
+                      <a:schemeClr val="tx1"/>
+                    </a:solidFill>
+                    <a:latin typeface="Arial" panose="020B0604020202020204" pitchFamily="34" charset="0"/>
+                  </a:defRPr>
+                </a:lvl3pPr>
+                <a:lvl4pPr marL="1371600" eaLnBrk="0" fontAlgn="base" hangingPunct="0">
+                  <a:spcBef>
+                    <a:spcPct val="0"/>
+                  </a:spcBef>
+                  <a:spcAft>
+                    <a:spcPct val="0"/>
+                  </a:spcAft>
+                  <a:defRPr>
+                    <a:solidFill>
+                      <a:schemeClr val="tx1"/>
+                    </a:solidFill>
+                    <a:latin typeface="Arial" panose="020B0604020202020204" pitchFamily="34" charset="0"/>
+                  </a:defRPr>
+                </a:lvl4pPr>
+                <a:lvl5pPr marL="1828800" eaLnBrk="0" fontAlgn="base" hangingPunct="0">
+                  <a:spcBef>
+                    <a:spcPct val="0"/>
+                  </a:spcBef>
+                  <a:spcAft>
+                    <a:spcPct val="0"/>
+                  </a:spcAft>
+                  <a:defRPr>
+                    <a:solidFill>
+                      <a:schemeClr val="tx1"/>
+                    </a:solidFill>
+                    <a:latin typeface="Arial" panose="020B0604020202020204" pitchFamily="34" charset="0"/>
+                  </a:defRPr>
+                </a:lvl5pPr>
+                <a:lvl6pPr marL="2286000" eaLnBrk="0" fontAlgn="base" hangingPunct="0">
+                  <a:spcBef>
+                    <a:spcPct val="0"/>
+                  </a:spcBef>
+                  <a:spcAft>
+                    <a:spcPct val="0"/>
+                  </a:spcAft>
+                  <a:defRPr>
+                    <a:solidFill>
+                      <a:schemeClr val="tx1"/>
+                    </a:solidFill>
+                    <a:latin typeface="Arial" panose="020B0604020202020204" pitchFamily="34" charset="0"/>
+                  </a:defRPr>
+                </a:lvl6pPr>
+                <a:lvl7pPr marL="2743200" eaLnBrk="0" fontAlgn="base" hangingPunct="0">
+                  <a:spcBef>
+                    <a:spcPct val="0"/>
+                  </a:spcBef>
+                  <a:spcAft>
+                    <a:spcPct val="0"/>
+                  </a:spcAft>
+                  <a:defRPr>
+                    <a:solidFill>
+                      <a:schemeClr val="tx1"/>
+                    </a:solidFill>
+                    <a:latin typeface="Arial" panose="020B0604020202020204" pitchFamily="34" charset="0"/>
+                  </a:defRPr>
+                </a:lvl7pPr>
+                <a:lvl8pPr marL="3200400" eaLnBrk="0" fontAlgn="base" hangingPunct="0">
+                  <a:spcBef>
+                    <a:spcPct val="0"/>
+                  </a:spcBef>
+                  <a:spcAft>
+                    <a:spcPct val="0"/>
+                  </a:spcAft>
+                  <a:defRPr>
+                    <a:solidFill>
+                      <a:schemeClr val="tx1"/>
+                    </a:solidFill>
+                    <a:latin typeface="Arial" panose="020B0604020202020204" pitchFamily="34" charset="0"/>
+                  </a:defRPr>
+                </a:lvl8pPr>
+                <a:lvl9pPr marL="3657600" eaLnBrk="0" fontAlgn="base" hangingPunct="0">
+                  <a:spcBef>
+                    <a:spcPct val="0"/>
+                  </a:spcBef>
+                  <a:spcAft>
+                    <a:spcPct val="0"/>
+                  </a:spcAft>
+                  <a:defRPr>
+                    <a:solidFill>
+                      <a:schemeClr val="tx1"/>
+                    </a:solidFill>
+                    <a:latin typeface="Arial" panose="020B0604020202020204" pitchFamily="34" charset="0"/>
+                  </a:defRPr>
+                </a:lvl9pPr>
+              </a:lstStyle>
+              <a:p>
+                <a:pPr marL="0" marR="0" lvl="0" indent="0" algn="l" defTabSz="914400" rtl="0" eaLnBrk="0" fontAlgn="base" latinLnBrk="0" hangingPunct="0">
+                  <a:lnSpc>
+                    <a:spcPct val="100000"/>
+                  </a:lnSpc>
+                  <a:spcBef>
+                    <a:spcPct val="0"/>
+                  </a:spcBef>
+                  <a:spcAft>
+                    <a:spcPct val="0"/>
+                  </a:spcAft>
+                  <a:buClrTx/>
+                  <a:buSzTx/>
+                  <a:buFontTx/>
+                  <a:buNone/>
+                  <a:tabLst/>
+                </a:pPr>
+                <a:r>
+                  <a:rPr kumimoji="0" lang="ru-RU" altLang="ru-RU" sz="2000" b="0" i="0" u="none" strike="noStrike" cap="none" normalizeH="0" baseline="0" dirty="0" smtClean="0">
+                    <a:ln>
+                      <a:noFill/>
+                    </a:ln>
+                    <a:solidFill>
+                      <a:srgbClr val="0077C2"/>
+                    </a:solidFill>
+                    <a:effectLst/>
+                    <a:latin typeface="Segoe UI" panose="020B0502040204020203" pitchFamily="34" charset="0"/>
+                    <a:cs typeface="Segoe UI" panose="020B0502040204020203" pitchFamily="34" charset="0"/>
+                  </a:rPr>
+                  <a:t>Задача 2</a:t>
+                </a:r>
+                <a:endParaRPr kumimoji="0" lang="ru-RU" altLang="ru-RU" sz="1000" b="0" i="0" u="none" strike="noStrike" cap="none" normalizeH="0" baseline="0" dirty="0" smtClean="0">
+                  <a:ln>
+                    <a:noFill/>
+                  </a:ln>
+                  <a:solidFill>
+                    <a:srgbClr val="0077C2"/>
+                  </a:solidFill>
+                  <a:effectLst/>
+                  <a:latin typeface="Segoe UI" panose="020B0502040204020203" pitchFamily="34" charset="0"/>
+                  <a:cs typeface="Segoe UI" panose="020B0502040204020203" pitchFamily="34" charset="0"/>
+                </a:endParaRPr>
+              </a:p>
+              <a:p>
+                <a:pPr lvl="0"/>
+                <a:r>
+                  <a:rPr kumimoji="0" lang="ru-RU" altLang="ru-RU" b="0" i="0" u="none" strike="noStrike" cap="none" normalizeH="0" baseline="0" dirty="0" smtClean="0">
+                    <a:ln>
+                      <a:noFill/>
+                    </a:ln>
+                    <a:solidFill>
+                      <a:srgbClr val="0077C2"/>
+                    </a:solidFill>
+                    <a:effectLst/>
+                    <a:latin typeface="Segoe UI" panose="020B0502040204020203" pitchFamily="34" charset="0"/>
+                    <a:cs typeface="Segoe UI" panose="020B0502040204020203" pitchFamily="34" charset="0"/>
+                  </a:rPr>
+                  <a:t>Напишите программу, которая </a:t>
+                </a:r>
+                <a:r>
+                  <a:rPr lang="ru-RU" altLang="ru-RU" dirty="0">
+                    <a:solidFill>
+                      <a:srgbClr val="0077C2"/>
+                    </a:solidFill>
+                    <a:latin typeface="Segoe UI" panose="020B0502040204020203" pitchFamily="34" charset="0"/>
+                    <a:cs typeface="Segoe UI" panose="020B0502040204020203" pitchFamily="34" charset="0"/>
+                  </a:rPr>
+                  <a:t>считывает два числа </a:t>
+                </a:r>
+                <a:r>
+                  <a:rPr lang="ru-RU" altLang="ru-RU" dirty="0" smtClean="0">
+                    <a:solidFill>
+                      <a:srgbClr val="0077C2"/>
+                    </a:solidFill>
+                    <a:latin typeface="Segoe UI" panose="020B0502040204020203" pitchFamily="34" charset="0"/>
+                    <a:cs typeface="Segoe UI" panose="020B0502040204020203" pitchFamily="34" charset="0"/>
+                  </a:rPr>
+                  <a:t>и </a:t>
+                </a:r>
+                <a:r>
+                  <a:rPr lang="ru-RU" altLang="ru-RU" dirty="0">
+                    <a:solidFill>
+                      <a:srgbClr val="0077C2"/>
+                    </a:solidFill>
+                    <a:latin typeface="Segoe UI" panose="020B0502040204020203" pitchFamily="34" charset="0"/>
+                    <a:cs typeface="Segoe UI" panose="020B0502040204020203" pitchFamily="34" charset="0"/>
+                  </a:rPr>
+                  <a:t>выводит результат выражения  </a:t>
+                </a:r>
+                <a14:m>
+                  <m:oMath xmlns:m="http://schemas.openxmlformats.org/officeDocument/2006/math">
+                    <m:f>
+                      <m:fPr>
+                        <m:ctrlPr>
+                          <a:rPr lang="ru-RU" altLang="ru-RU" i="1" dirty="0" smtClean="0">
+                            <a:solidFill>
+                              <a:srgbClr val="0077C2"/>
+                            </a:solidFill>
+                            <a:latin typeface="Cambria Math" panose="02040503050406030204" pitchFamily="18" charset="0"/>
+                            <a:cs typeface="Segoe UI" panose="020B0502040204020203" pitchFamily="34" charset="0"/>
+                          </a:rPr>
+                        </m:ctrlPr>
+                      </m:fPr>
+                      <m:num>
+                        <m:r>
+                          <a:rPr lang="ru-RU" altLang="ru-RU" i="1" dirty="0">
+                            <a:solidFill>
+                              <a:srgbClr val="0077C2"/>
+                            </a:solidFill>
+                            <a:latin typeface="Cambria Math" panose="02040503050406030204" pitchFamily="18" charset="0"/>
+                            <a:cs typeface="Segoe UI" panose="020B0502040204020203" pitchFamily="34" charset="0"/>
+                          </a:rPr>
+                          <m:t>𝐴</m:t>
+                        </m:r>
+                        <m:r>
+                          <a:rPr lang="ru-RU" altLang="ru-RU" i="1" dirty="0">
+                            <a:solidFill>
+                              <a:srgbClr val="0077C2"/>
+                            </a:solidFill>
+                            <a:latin typeface="Cambria Math" panose="02040503050406030204" pitchFamily="18" charset="0"/>
+                            <a:cs typeface="Segoe UI" panose="020B0502040204020203" pitchFamily="34" charset="0"/>
+                          </a:rPr>
+                          <m:t>+</m:t>
+                        </m:r>
+                        <m:r>
+                          <a:rPr lang="ru-RU" altLang="ru-RU" i="1" dirty="0">
+                            <a:solidFill>
+                              <a:srgbClr val="0077C2"/>
+                            </a:solidFill>
+                            <a:latin typeface="Cambria Math" panose="02040503050406030204" pitchFamily="18" charset="0"/>
+                            <a:cs typeface="Segoe UI" panose="020B0502040204020203" pitchFamily="34" charset="0"/>
+                          </a:rPr>
+                          <m:t>𝐵</m:t>
+                        </m:r>
+                      </m:num>
+                      <m:den>
+                        <m:r>
+                          <a:rPr lang="en-US" altLang="ru-RU" b="0" i="1" dirty="0" smtClean="0">
+                            <a:solidFill>
+                              <a:srgbClr val="0077C2"/>
+                            </a:solidFill>
+                            <a:latin typeface="Cambria Math" panose="02040503050406030204" pitchFamily="18" charset="0"/>
+                            <a:cs typeface="Segoe UI" panose="020B0502040204020203" pitchFamily="34" charset="0"/>
+                          </a:rPr>
+                          <m:t>𝐴</m:t>
+                        </m:r>
+                        <m:r>
+                          <a:rPr lang="en-US" altLang="ru-RU" b="0" i="1" dirty="0" smtClean="0">
+                            <a:solidFill>
+                              <a:srgbClr val="0077C2"/>
+                            </a:solidFill>
+                            <a:latin typeface="Cambria Math" panose="02040503050406030204" pitchFamily="18" charset="0"/>
+                            <a:cs typeface="Segoe UI" panose="020B0502040204020203" pitchFamily="34" charset="0"/>
+                          </a:rPr>
+                          <m:t>∗</m:t>
+                        </m:r>
+                        <m:r>
+                          <a:rPr lang="en-US" altLang="ru-RU" b="0" i="1" dirty="0" smtClean="0">
+                            <a:solidFill>
+                              <a:srgbClr val="0077C2"/>
+                            </a:solidFill>
+                            <a:latin typeface="Cambria Math" panose="02040503050406030204" pitchFamily="18" charset="0"/>
+                            <a:cs typeface="Segoe UI" panose="020B0502040204020203" pitchFamily="34" charset="0"/>
+                          </a:rPr>
+                          <m:t>𝐵</m:t>
+                        </m:r>
+                      </m:den>
+                    </m:f>
+                    <m:r>
+                      <a:rPr lang="ru-RU" altLang="ru-RU" i="1" dirty="0">
+                        <a:solidFill>
+                          <a:srgbClr val="0077C2"/>
+                        </a:solidFill>
+                        <a:latin typeface="Cambria Math" panose="02040503050406030204" pitchFamily="18" charset="0"/>
+                        <a:cs typeface="Segoe UI" panose="020B0502040204020203" pitchFamily="34" charset="0"/>
+                      </a:rPr>
+                      <m:t>​ </m:t>
+                    </m:r>
+                  </m:oMath>
+                </a14:m>
+                <a:r>
+                  <a:rPr lang="ru-RU" altLang="ru-RU" dirty="0">
+                    <a:solidFill>
+                      <a:srgbClr val="0077C2"/>
+                    </a:solidFill>
+                    <a:latin typeface="Segoe UI" panose="020B0502040204020203" pitchFamily="34" charset="0"/>
+                    <a:cs typeface="Segoe UI" panose="020B0502040204020203" pitchFamily="34" charset="0"/>
+                  </a:rPr>
+                  <a:t>.</a:t>
+                </a:r>
+                <a:endParaRPr kumimoji="0" lang="ru-RU" altLang="ru-RU" sz="2800" b="0" i="0" u="none" strike="noStrike" cap="none" normalizeH="0" baseline="0" dirty="0" smtClean="0">
+                  <a:ln>
+                    <a:noFill/>
+                  </a:ln>
+                  <a:solidFill>
+                    <a:srgbClr val="0077C2"/>
+                  </a:solidFill>
+                  <a:effectLst/>
+                  <a:latin typeface="Segoe UI" panose="020B0502040204020203" pitchFamily="34" charset="0"/>
+                  <a:cs typeface="Segoe UI" panose="020B0502040204020203" pitchFamily="34" charset="0"/>
+                </a:endParaRPr>
+              </a:p>
+            </p:txBody>
+          </p:sp>
+        </mc:Choice>
+        <mc:Fallback>
+          <p:sp>
+            <p:nvSpPr>
+              <p:cNvPr id="4" name="Rectangle 6"/>
+              <p:cNvSpPr>
+                <a:spLocks noRot="1" noChangeAspect="1" noMove="1" noResize="1" noEditPoints="1" noAdjustHandles="1" noChangeArrowheads="1" noChangeShapeType="1" noTextEdit="1"/>
+              </p:cNvSpPr>
+              <p:nvPr/>
+            </p:nvSpPr>
+            <p:spPr bwMode="auto">
+              <a:xfrm>
+                <a:off x="638088" y="2447164"/>
+                <a:ext cx="11290387" cy="784830"/>
+              </a:xfrm>
+              <a:prstGeom prst="rect">
+                <a:avLst/>
+              </a:prstGeom>
+              <a:blipFill rotWithShape="0">
+                <a:blip r:embed="rId2"/>
+                <a:stretch>
+                  <a:fillRect l="-594" t="-8527" b="-6202"/>
+                </a:stretch>
+              </a:blipFill>
               <a:ln>
                 <a:noFill/>
               </a:ln>
-              <a:solidFill>
-                <a:srgbClr val="0077C2"/>
-              </a:solidFill>
               <a:effectLst/>
-              <a:latin typeface="Segoe UI" panose="020B0502040204020203" pitchFamily="34" charset="0"/>
-              <a:cs typeface="Segoe UI" panose="020B0502040204020203" pitchFamily="34" charset="0"/>
-            </a:endParaRPr>
-          </a:p>
-        </p:txBody>
-      </p:sp>
+              <a:extLst>
+                <a:ext uri="{91240B29-F687-4F45-9708-019B960494DF}">
+                  <a14:hiddenLine xmlns:a14="http://schemas.microsoft.com/office/drawing/2010/main" w="9525">
+                    <a:solidFill>
+                      <a:schemeClr val="tx1"/>
+                    </a:solidFill>
+                    <a:miter lim="800000"/>
+                    <a:headEnd/>
+                    <a:tailEnd/>
+                  </a14:hiddenLine>
+                </a:ext>
+                <a:ext uri="{AF507438-7753-43E0-B8FC-AC1667EBCBE1}">
+                  <a14:hiddenEffects xmlns:a14="http://schemas.microsoft.com/office/drawing/2010/main">
+                    <a:effectLst>
+                      <a:outerShdw dist="35921" dir="2700000" algn="ctr" rotWithShape="0">
+                        <a:schemeClr val="bg2"/>
+                      </a:outerShdw>
+                    </a:effectLst>
+                  </a14:hiddenEffects>
+                </a:ext>
+              </a:extLst>
+            </p:spPr>
+            <p:txBody>
+              <a:bodyPr/>
+              <a:lstStyle/>
+              <a:p>
+                <a:r>
+                  <a:rPr lang="ru-RU">
+                    <a:noFill/>
+                  </a:rPr>
+                  <a:t> </a:t>
+                </a:r>
+              </a:p>
+            </p:txBody>
+          </p:sp>
+        </mc:Fallback>
+      </mc:AlternateContent>
       <p:sp>
         <p:nvSpPr>
           <p:cNvPr id="5" name="Прямоугольник 4"/>
@@ -20190,7 +20358,7 @@
         </p:nvSpPr>
         <p:spPr>
           <a:xfrm>
-            <a:off x="615776" y="2322476"/>
+            <a:off x="638088" y="3316830"/>
             <a:ext cx="10918598" cy="954107"/>
           </a:xfrm>
           <a:prstGeom prst="rect">
@@ -20211,8 +20379,25 @@
                 <a:latin typeface="Segoe UI" panose="020B0502040204020203" pitchFamily="34" charset="0"/>
                 <a:cs typeface="Segoe UI" panose="020B0502040204020203" pitchFamily="34" charset="0"/>
               </a:rPr>
-              <a:t>Задача 2</a:t>
+              <a:t>Задача </a:t>
             </a:r>
+            <a:r>
+              <a:rPr lang="ru-RU" sz="2000" dirty="0" smtClean="0">
+                <a:solidFill>
+                  <a:srgbClr val="0077C2"/>
+                </a:solidFill>
+                <a:latin typeface="Segoe UI" panose="020B0502040204020203" pitchFamily="34" charset="0"/>
+                <a:cs typeface="Segoe UI" panose="020B0502040204020203" pitchFamily="34" charset="0"/>
+              </a:rPr>
+              <a:t>3</a:t>
+            </a:r>
+            <a:endParaRPr lang="ru-RU" sz="2000" dirty="0" smtClean="0">
+              <a:solidFill>
+                <a:srgbClr val="0077C2"/>
+              </a:solidFill>
+              <a:latin typeface="Segoe UI" panose="020B0502040204020203" pitchFamily="34" charset="0"/>
+              <a:cs typeface="Segoe UI" panose="020B0502040204020203" pitchFamily="34" charset="0"/>
+            </a:endParaRPr>
           </a:p>
           <a:p>
             <a:r>
@@ -20280,14 +20465,89 @@
       </p:sp>
       <p:sp>
         <p:nvSpPr>
-          <p:cNvPr id="6" name="Прямоугольник 5"/>
+          <p:cNvPr id="8" name="Прямоугольник 7"/>
           <p:cNvSpPr/>
           <p:nvPr/>
         </p:nvSpPr>
         <p:spPr>
           <a:xfrm>
-            <a:off x="615776" y="3244261"/>
-            <a:ext cx="10918598" cy="1231106"/>
+            <a:off x="638088" y="1376860"/>
+            <a:ext cx="10918598" cy="1092607"/>
+          </a:xfrm>
+          <a:prstGeom prst="rect">
+            <a:avLst/>
+          </a:prstGeom>
+        </p:spPr>
+        <p:txBody>
+          <a:bodyPr wrap="square">
+            <a:spAutoFit/>
+          </a:bodyPr>
+          <a:lstStyle/>
+          <a:p>
+            <a:r>
+              <a:rPr lang="ru-RU" altLang="ru-RU" sz="2000" dirty="0">
+                <a:solidFill>
+                  <a:srgbClr val="0077C2"/>
+                </a:solidFill>
+                <a:latin typeface="Segoe UI" panose="020B0502040204020203" pitchFamily="34" charset="0"/>
+                <a:cs typeface="Segoe UI" panose="020B0502040204020203" pitchFamily="34" charset="0"/>
+              </a:rPr>
+              <a:t>Задача </a:t>
+            </a:r>
+            <a:r>
+              <a:rPr lang="ru-RU" altLang="ru-RU" sz="2000" dirty="0" smtClean="0">
+                <a:solidFill>
+                  <a:srgbClr val="0077C2"/>
+                </a:solidFill>
+                <a:latin typeface="Segoe UI" panose="020B0502040204020203" pitchFamily="34" charset="0"/>
+                <a:cs typeface="Segoe UI" panose="020B0502040204020203" pitchFamily="34" charset="0"/>
+              </a:rPr>
+              <a:t>1</a:t>
+            </a:r>
+          </a:p>
+          <a:p>
+            <a:r>
+              <a:rPr lang="ru-RU" altLang="ru-RU" dirty="0" smtClean="0">
+                <a:solidFill>
+                  <a:srgbClr val="0077C2"/>
+                </a:solidFill>
+                <a:latin typeface="Segoe UI" panose="020B0502040204020203" pitchFamily="34" charset="0"/>
+                <a:cs typeface="Segoe UI" panose="020B0502040204020203" pitchFamily="34" charset="0"/>
+              </a:rPr>
+              <a:t>Напишите </a:t>
+            </a:r>
+            <a:r>
+              <a:rPr lang="ru-RU" altLang="ru-RU" dirty="0">
+                <a:solidFill>
+                  <a:srgbClr val="0077C2"/>
+                </a:solidFill>
+                <a:latin typeface="Segoe UI" panose="020B0502040204020203" pitchFamily="34" charset="0"/>
+                <a:cs typeface="Segoe UI" panose="020B0502040204020203" pitchFamily="34" charset="0"/>
+              </a:rPr>
+              <a:t>программу, которая считывает имя и возраст человека и выводит сообщение: "Привет, [Имя]! Твой возраст [Возраст]."</a:t>
+            </a:r>
+          </a:p>
+          <a:p>
+            <a:endParaRPr lang="ru-RU" altLang="ru-RU" sz="900" dirty="0">
+              <a:solidFill>
+                <a:srgbClr val="0077C2"/>
+              </a:solidFill>
+              <a:latin typeface="Segoe UI" panose="020B0502040204020203" pitchFamily="34" charset="0"/>
+              <a:cs typeface="Segoe UI" panose="020B0502040204020203" pitchFamily="34" charset="0"/>
+            </a:endParaRPr>
+          </a:p>
+        </p:txBody>
+      </p:sp>
+      <p:sp>
+        <p:nvSpPr>
+          <p:cNvPr id="9" name="Прямоугольник 8"/>
+          <p:cNvSpPr/>
+          <p:nvPr/>
+        </p:nvSpPr>
+        <p:spPr>
+          <a:xfrm>
+            <a:off x="638088" y="4417094"/>
+            <a:ext cx="10965258" cy="954107"/>
           </a:xfrm>
           <a:prstGeom prst="rect">
             <a:avLst/>
@@ -20307,10 +20567,37 @@
                 <a:latin typeface="Segoe UI" panose="020B0502040204020203" pitchFamily="34" charset="0"/>
                 <a:cs typeface="Segoe UI" panose="020B0502040204020203" pitchFamily="34" charset="0"/>
               </a:rPr>
-              <a:t>Задача 3</a:t>
+              <a:t>Задача </a:t>
             </a:r>
+            <a:r>
+              <a:rPr lang="ru-RU" sz="2000" dirty="0" smtClean="0">
+                <a:solidFill>
+                  <a:srgbClr val="0077C2"/>
+                </a:solidFill>
+                <a:latin typeface="Segoe UI" panose="020B0502040204020203" pitchFamily="34" charset="0"/>
+                <a:cs typeface="Segoe UI" panose="020B0502040204020203" pitchFamily="34" charset="0"/>
+              </a:rPr>
+              <a:t>4</a:t>
+            </a:r>
+            <a:endParaRPr lang="ru-RU" sz="2000" dirty="0" smtClean="0">
+              <a:solidFill>
+                <a:srgbClr val="0077C2"/>
+              </a:solidFill>
+              <a:latin typeface="Segoe UI" panose="020B0502040204020203" pitchFamily="34" charset="0"/>
+              <a:cs typeface="Segoe UI" panose="020B0502040204020203" pitchFamily="34" charset="0"/>
+            </a:endParaRPr>
           </a:p>
           <a:p>
+            <a:r>
+              <a:rPr lang="ru-RU" dirty="0">
+                <a:solidFill>
+                  <a:srgbClr val="0077C2"/>
+                </a:solidFill>
+                <a:latin typeface="Segoe UI" panose="020B0502040204020203" pitchFamily="34" charset="0"/>
+                <a:cs typeface="Segoe UI" panose="020B0502040204020203" pitchFamily="34" charset="0"/>
+              </a:rPr>
+              <a:t>Дано 4 </a:t>
+            </a:r>
             <a:r>
               <a:rPr lang="ru-RU" dirty="0" smtClean="0">
                 <a:solidFill>
@@ -20319,7 +20606,17 @@
                 <a:latin typeface="Segoe UI" panose="020B0502040204020203" pitchFamily="34" charset="0"/>
                 <a:cs typeface="Segoe UI" panose="020B0502040204020203" pitchFamily="34" charset="0"/>
               </a:rPr>
-              <a:t>n </a:t>
+              <a:t>числа с плавающей точкой. </a:t>
+            </a:r>
+            <a:r>
+              <a:rPr lang="ru-RU" dirty="0" smtClean="0">
+                <a:solidFill>
+                  <a:srgbClr val="0077C2"/>
+                </a:solidFill>
+                <a:latin typeface="Segoe UI" panose="020B0502040204020203" pitchFamily="34" charset="0"/>
+                <a:cs typeface="Segoe UI" panose="020B0502040204020203" pitchFamily="34" charset="0"/>
+              </a:rPr>
+              <a:t>Нужно посчитать среднее </a:t>
             </a:r>
             <a:r>
               <a:rPr lang="ru-RU" dirty="0">
@@ -20329,51 +20626,8 @@
                 <a:latin typeface="Segoe UI" panose="020B0502040204020203" pitchFamily="34" charset="0"/>
                 <a:cs typeface="Segoe UI" panose="020B0502040204020203" pitchFamily="34" charset="0"/>
               </a:rPr>
-              <a:t>школьников делят k яблок поровну, неделящийся остаток остается в корзинке. Сколько яблок достанется каждому школьнику? Сколько яблок останется в корзинке? Программа получает на вход числа n и k и должна вывести искомое количество яблок (два числа).</a:t>
+              <a:t>арифметическое </a:t>
             </a:r>
-          </a:p>
-        </p:txBody>
-      </p:sp>
-      <p:sp>
-        <p:nvSpPr>
-          <p:cNvPr id="7" name="Прямоугольник 6"/>
-          <p:cNvSpPr/>
-          <p:nvPr/>
-        </p:nvSpPr>
-        <p:spPr>
-          <a:xfrm>
-            <a:off x="615776" y="4421109"/>
-            <a:ext cx="10918598" cy="1508105"/>
-          </a:xfrm>
-          <a:prstGeom prst="rect">
-            <a:avLst/>
-          </a:prstGeom>
-        </p:spPr>
-        <p:txBody>
-          <a:bodyPr wrap="square">
-            <a:spAutoFit/>
-          </a:bodyPr>
-          <a:lstStyle/>
-          <a:p>
-            <a:r>
-              <a:rPr lang="ru-RU" sz="2000" dirty="0" smtClean="0">
-                <a:solidFill>
-                  <a:srgbClr val="0077C2"/>
-                </a:solidFill>
-                <a:latin typeface="Segoe UI" panose="020B0502040204020203" pitchFamily="34" charset="0"/>
-                <a:cs typeface="Segoe UI" panose="020B0502040204020203" pitchFamily="34" charset="0"/>
-              </a:rPr>
-              <a:t>Задача 4</a:t>
-            </a:r>
-            <a:endParaRPr lang="ru-RU" sz="1400" dirty="0" smtClean="0">
-              <a:solidFill>
-                <a:srgbClr val="0077C2"/>
-              </a:solidFill>
-              <a:latin typeface="Segoe UI" panose="020B0502040204020203" pitchFamily="34" charset="0"/>
-              <a:cs typeface="Segoe UI" panose="020B0502040204020203" pitchFamily="34" charset="0"/>
-            </a:endParaRPr>
-          </a:p>
-          <a:p>
             <a:r>
               <a:rPr lang="ru-RU" dirty="0" smtClean="0">
                 <a:solidFill>
@@ -20382,7 +20636,7 @@
                 <a:latin typeface="Segoe UI" panose="020B0502040204020203" pitchFamily="34" charset="0"/>
                 <a:cs typeface="Segoe UI" panose="020B0502040204020203" pitchFamily="34" charset="0"/>
               </a:rPr>
-              <a:t>Дано </a:t>
+              <a:t>и округлить </a:t>
             </a:r>
             <a:r>
               <a:rPr lang="ru-RU" dirty="0">
@@ -20392,7 +20646,27 @@
                 <a:latin typeface="Segoe UI" panose="020B0502040204020203" pitchFamily="34" charset="0"/>
                 <a:cs typeface="Segoe UI" panose="020B0502040204020203" pitchFamily="34" charset="0"/>
               </a:rPr>
-              <a:t>число n. С начала суток прошло n минут. Определите, сколько часов и минут будут показывать электронные часы в этот момент. Программа должна вывести два числа: количество часов (от 0 до 23) и количество минут (от 0 до 59). Учтите, что число n может быть больше, чем количество минут в сутках.</a:t>
+              <a:t>его до </a:t>
+            </a:r>
+            <a:r>
+              <a:rPr lang="ru-RU" dirty="0" smtClean="0">
+                <a:solidFill>
+                  <a:srgbClr val="0077C2"/>
+                </a:solidFill>
+                <a:latin typeface="Segoe UI" panose="020B0502040204020203" pitchFamily="34" charset="0"/>
+                <a:cs typeface="Segoe UI" panose="020B0502040204020203" pitchFamily="34" charset="0"/>
+              </a:rPr>
+              <a:t>2 </a:t>
+            </a:r>
+            <a:r>
+              <a:rPr lang="ru-RU" dirty="0">
+                <a:solidFill>
+                  <a:srgbClr val="0077C2"/>
+                </a:solidFill>
+                <a:latin typeface="Segoe UI" panose="020B0502040204020203" pitchFamily="34" charset="0"/>
+                <a:cs typeface="Segoe UI" panose="020B0502040204020203" pitchFamily="34" charset="0"/>
+              </a:rPr>
+              <a:t>знаков после запятой.</a:t>
             </a:r>
           </a:p>
         </p:txBody>
@@ -20497,7 +20771,7 @@
         </p:nvSpPr>
         <p:spPr bwMode="auto">
           <a:xfrm>
-            <a:off x="718742" y="1651110"/>
+            <a:off x="715529" y="3838339"/>
             <a:ext cx="11338636" cy="630942"/>
           </a:xfrm>
           <a:prstGeom prst="rect">
@@ -20699,7 +20973,7 @@
               <a:t>Задача </a:t>
             </a:r>
             <a:r>
-              <a:rPr kumimoji="0" lang="en-US" altLang="ru-RU" sz="2000" b="0" i="0" u="none" strike="noStrike" cap="none" normalizeH="0" baseline="0" dirty="0" smtClean="0">
+              <a:rPr kumimoji="0" lang="ru-RU" altLang="ru-RU" sz="2000" b="0" i="0" u="none" strike="noStrike" cap="none" normalizeH="0" baseline="0" dirty="0" smtClean="0">
                 <a:ln>
                   <a:noFill/>
                 </a:ln>
@@ -20710,7 +20984,7 @@
                 <a:latin typeface="Segoe UI" panose="020B0502040204020203" pitchFamily="34" charset="0"/>
                 <a:cs typeface="Segoe UI" panose="020B0502040204020203" pitchFamily="34" charset="0"/>
               </a:rPr>
-              <a:t>5</a:t>
+              <a:t>7</a:t>
             </a:r>
             <a:endParaRPr kumimoji="0" lang="ru-RU" altLang="ru-RU" sz="1000" b="0" i="0" u="none" strike="noStrike" cap="none" normalizeH="0" baseline="0" dirty="0" smtClean="0">
               <a:ln>
@@ -20749,24 +21023,14 @@
               <a:t>натурального числа </a:t>
             </a:r>
             <a:r>
-              <a:rPr lang="en-US" dirty="0" smtClean="0">
+              <a:rPr lang="ru-RU" dirty="0" smtClean="0">
                 <a:solidFill>
                   <a:srgbClr val="0077C2"/>
                 </a:solidFill>
                 <a:latin typeface="Segoe UI" panose="020B0502040204020203" pitchFamily="34" charset="0"/>
                 <a:cs typeface="Segoe UI" panose="020B0502040204020203" pitchFamily="34" charset="0"/>
               </a:rPr>
-              <a:t>&lt; </a:t>
-            </a:r>
-            <a:r>
-              <a:rPr lang="en-US" dirty="0" smtClean="0">
-                <a:solidFill>
-                  <a:srgbClr val="0077C2"/>
-                </a:solidFill>
-                <a:latin typeface="Segoe UI" panose="020B0502040204020203" pitchFamily="34" charset="0"/>
-                <a:cs typeface="Segoe UI" panose="020B0502040204020203" pitchFamily="34" charset="0"/>
-              </a:rPr>
-              <a:t>1000</a:t>
+              <a:t>трёхзначного натурального числа (123 – 1+2+3=6)</a:t>
             </a:r>
             <a:endParaRPr lang="ru-RU" dirty="0" smtClean="0">
               <a:solidFill>
@@ -20786,7 +21050,7 @@
         </p:nvSpPr>
         <p:spPr>
           <a:xfrm>
-            <a:off x="718742" y="2449905"/>
+            <a:off x="715529" y="4592391"/>
             <a:ext cx="10965258" cy="954107"/>
           </a:xfrm>
           <a:prstGeom prst="rect">
@@ -20810,14 +21074,14 @@
               <a:t>Задача </a:t>
             </a:r>
             <a:r>
-              <a:rPr lang="en-US" sz="2000" dirty="0" smtClean="0">
+              <a:rPr lang="ru-RU" sz="2000" dirty="0" smtClean="0">
                 <a:solidFill>
                   <a:srgbClr val="0077C2"/>
                 </a:solidFill>
                 <a:latin typeface="Segoe UI" panose="020B0502040204020203" pitchFamily="34" charset="0"/>
                 <a:cs typeface="Segoe UI" panose="020B0502040204020203" pitchFamily="34" charset="0"/>
               </a:rPr>
-              <a:t>6</a:t>
+              <a:t>8</a:t>
             </a:r>
             <a:endParaRPr lang="ru-RU" sz="2000" dirty="0" smtClean="0">
               <a:solidFill>
@@ -20880,14 +21144,14 @@
       </p:sp>
       <p:sp>
         <p:nvSpPr>
-          <p:cNvPr id="6" name="Прямоугольник 5"/>
+          <p:cNvPr id="8" name="Прямоугольник 7"/>
           <p:cNvSpPr/>
           <p:nvPr/>
         </p:nvSpPr>
         <p:spPr>
           <a:xfrm>
-            <a:off x="718742" y="3528242"/>
-            <a:ext cx="10965258" cy="677108"/>
+            <a:off x="715529" y="2562720"/>
+            <a:ext cx="10918598" cy="1231106"/>
           </a:xfrm>
           <a:prstGeom prst="rect">
             <a:avLst/>
@@ -20910,16 +21174,16 @@
               <a:t>Задача </a:t>
             </a:r>
             <a:r>
-              <a:rPr lang="en-US" sz="2000" dirty="0" smtClean="0">
+              <a:rPr lang="ru-RU" sz="2000" dirty="0" smtClean="0">
                 <a:solidFill>
                   <a:srgbClr val="0077C2"/>
                 </a:solidFill>
                 <a:latin typeface="Segoe UI" panose="020B0502040204020203" pitchFamily="34" charset="0"/>
                 <a:cs typeface="Segoe UI" panose="020B0502040204020203" pitchFamily="34" charset="0"/>
               </a:rPr>
-              <a:t>7</a:t>
+              <a:t>6</a:t>
             </a:r>
-            <a:endParaRPr lang="ru-RU" sz="2000" dirty="0" smtClean="0">
+            <a:endParaRPr lang="ru-RU" sz="1400" dirty="0" smtClean="0">
               <a:solidFill>
                 <a:srgbClr val="0077C2"/>
               </a:solidFill>
@@ -20936,7 +21200,7 @@
                 <a:latin typeface="Segoe UI" panose="020B0502040204020203" pitchFamily="34" charset="0"/>
                 <a:cs typeface="Segoe UI" panose="020B0502040204020203" pitchFamily="34" charset="0"/>
               </a:rPr>
-              <a:t>Дано 4 числа. </a:t>
+              <a:t>С начала суток прошло N минут (где N&lt;1440</a:t>
             </a:r>
             <a:r>
               <a:rPr lang="ru-RU" dirty="0" smtClean="0">
@@ -20946,7 +21210,7 @@
                 <a:latin typeface="Segoe UI" panose="020B0502040204020203" pitchFamily="34" charset="0"/>
                 <a:cs typeface="Segoe UI" panose="020B0502040204020203" pitchFamily="34" charset="0"/>
               </a:rPr>
-              <a:t>Нужно посчитать среднее </a:t>
+              <a:t>). Определите</a:t>
             </a:r>
             <a:r>
               <a:rPr lang="ru-RU" dirty="0">
@@ -20956,41 +21220,21 @@
                 <a:latin typeface="Segoe UI" panose="020B0502040204020203" pitchFamily="34" charset="0"/>
                 <a:cs typeface="Segoe UI" panose="020B0502040204020203" pitchFamily="34" charset="0"/>
               </a:rPr>
-              <a:t>арифметическое </a:t>
-            </a:r>
-            <a:r>
-              <a:rPr lang="ru-RU" dirty="0" smtClean="0">
-                <a:solidFill>
-                  <a:srgbClr val="0077C2"/>
-                </a:solidFill>
-                <a:latin typeface="Segoe UI" panose="020B0502040204020203" pitchFamily="34" charset="0"/>
-                <a:cs typeface="Segoe UI" panose="020B0502040204020203" pitchFamily="34" charset="0"/>
-              </a:rPr>
-              <a:t>и округлить </a:t>
-            </a:r>
-            <a:r>
-              <a:rPr lang="ru-RU" dirty="0">
-                <a:solidFill>
-                  <a:srgbClr val="0077C2"/>
-                </a:solidFill>
-                <a:latin typeface="Segoe UI" panose="020B0502040204020203" pitchFamily="34" charset="0"/>
-                <a:cs typeface="Segoe UI" panose="020B0502040204020203" pitchFamily="34" charset="0"/>
-              </a:rPr>
-              <a:t>его до 5 знаков после запятой.</a:t>
+              <a:t>, сколько часов и минут будут показывать электронные часы в этот момент. Программа должна вывести два числа: количество часов (от 0 до 23) и количество минут (от 0 до 59). </a:t>
             </a:r>
           </a:p>
         </p:txBody>
       </p:sp>
       <p:sp>
         <p:nvSpPr>
-          <p:cNvPr id="7" name="Прямоугольник 6"/>
+          <p:cNvPr id="9" name="Прямоугольник 8"/>
           <p:cNvSpPr/>
           <p:nvPr/>
         </p:nvSpPr>
         <p:spPr>
           <a:xfrm>
-            <a:off x="718742" y="4394952"/>
-            <a:ext cx="10965258" cy="677108"/>
+            <a:off x="715529" y="1331614"/>
+            <a:ext cx="10918598" cy="1231106"/>
           </a:xfrm>
           <a:prstGeom prst="rect">
             <a:avLst/>
@@ -21013,14 +21257,14 @@
               <a:t>Задача </a:t>
             </a:r>
             <a:r>
-              <a:rPr lang="en-US" sz="2000" dirty="0" smtClean="0">
+              <a:rPr lang="ru-RU" sz="2000" dirty="0" smtClean="0">
                 <a:solidFill>
                   <a:srgbClr val="0077C2"/>
                 </a:solidFill>
                 <a:latin typeface="Segoe UI" panose="020B0502040204020203" pitchFamily="34" charset="0"/>
                 <a:cs typeface="Segoe UI" panose="020B0502040204020203" pitchFamily="34" charset="0"/>
               </a:rPr>
-              <a:t>8</a:t>
+              <a:t>5</a:t>
             </a:r>
             <a:endParaRPr lang="ru-RU" sz="2000" dirty="0" smtClean="0">
               <a:solidFill>
@@ -21039,25 +21283,18 @@
                 <a:latin typeface="Segoe UI" panose="020B0502040204020203" pitchFamily="34" charset="0"/>
                 <a:cs typeface="Segoe UI" panose="020B0502040204020203" pitchFamily="34" charset="0"/>
               </a:rPr>
-              <a:t>Напишите программу, вычисляющую решения квадратного уравнения </a:t>
+              <a:t>n </a:t>
             </a:r>
             <a:r>
-              <a:rPr lang="en-US" dirty="0" smtClean="0">
+              <a:rPr lang="ru-RU" dirty="0">
                 <a:solidFill>
                   <a:srgbClr val="0077C2"/>
                 </a:solidFill>
                 <a:latin typeface="Segoe UI" panose="020B0502040204020203" pitchFamily="34" charset="0"/>
                 <a:cs typeface="Segoe UI" panose="020B0502040204020203" pitchFamily="34" charset="0"/>
               </a:rPr>
-              <a:t>ax^2+bx+c=0</a:t>
+              <a:t>школьников делят k яблок поровну, неделящийся остаток остается в корзинке. Сколько яблок достанется каждому школьнику? Сколько яблок останется в корзинке? Программа получает на вход числа n и k и должна вывести искомое количество яблок (два числа).</a:t>
             </a:r>
-            <a:endParaRPr lang="ru-RU" dirty="0">
-              <a:solidFill>
-                <a:srgbClr val="0077C2"/>
-              </a:solidFill>
-              <a:latin typeface="Segoe UI" panose="020B0502040204020203" pitchFamily="34" charset="0"/>
-              <a:cs typeface="Segoe UI" panose="020B0502040204020203" pitchFamily="34" charset="0"/>
-            </a:endParaRPr>
           </a:p>
         </p:txBody>
       </p:sp>
